--- a/6/PPT_PDF/6 生成AIの基礎と展望 第1.1版.pptx
+++ b/6/PPT_PDF/6 生成AIの基礎と展望 第1.1版.pptx
@@ -137,7 +137,7 @@
 <file path=ppt/revisionInfo.xml><?xml version="1.0" encoding="utf-8"?>
 <p1510:revInfo xmlns:a="http://schemas.openxmlformats.org/drawingml/2006/main" xmlns:r="http://schemas.openxmlformats.org/officeDocument/2006/relationships" xmlns:p1510="http://schemas.microsoft.com/office/powerpoint/2015/10/main">
   <p1510:revLst>
-    <p1510:client id="{E5229DCF-CF04-4550-9977-56ABCA2CF4ED}" v="107" dt="2025-07-29T20:56:27.402"/>
+    <p1510:client id="{E5229DCF-CF04-4550-9977-56ABCA2CF4ED}" v="113" dt="2025-07-31T20:24:11.448"/>
   </p1510:revLst>
 </p1510:revInfo>
 </file>
@@ -147,7 +147,7 @@
   <pc:docChgLst>
     <pc:chgData name="友佳 杉浦" userId="16f6d6200656b49f" providerId="LiveId" clId="{E5229DCF-CF04-4550-9977-56ABCA2CF4ED}"/>
     <pc:docChg chg="undo custSel addSld delSld modSld sldOrd">
-      <pc:chgData name="友佳 杉浦" userId="16f6d6200656b49f" providerId="LiveId" clId="{E5229DCF-CF04-4550-9977-56ABCA2CF4ED}" dt="2025-07-29T20:41:07.596" v="17084" actId="6549"/>
+      <pc:chgData name="友佳 杉浦" userId="16f6d6200656b49f" providerId="LiveId" clId="{E5229DCF-CF04-4550-9977-56ABCA2CF4ED}" dt="2025-07-31T20:25:19.533" v="17166" actId="14100"/>
       <pc:docMkLst>
         <pc:docMk/>
       </pc:docMkLst>
@@ -263,38 +263,6 @@
             <ac:spMk id="16" creationId="{36BEB0EF-65B4-DC97-026E-520A5BF52F2B}"/>
           </ac:spMkLst>
         </pc:spChg>
-        <pc:spChg chg="del">
-          <ac:chgData name="友佳 杉浦" userId="16f6d6200656b49f" providerId="LiveId" clId="{E5229DCF-CF04-4550-9977-56ABCA2CF4ED}" dt="2025-07-29T15:46:43.323" v="2633" actId="478"/>
-          <ac:spMkLst>
-            <pc:docMk/>
-            <pc:sldMk cId="1630210334" sldId="270"/>
-            <ac:spMk id="19" creationId="{E1FF16B0-3AFF-5470-3D33-CE0BF5E87C97}"/>
-          </ac:spMkLst>
-        </pc:spChg>
-        <pc:spChg chg="del">
-          <ac:chgData name="友佳 杉浦" userId="16f6d6200656b49f" providerId="LiveId" clId="{E5229DCF-CF04-4550-9977-56ABCA2CF4ED}" dt="2025-07-29T15:46:43.323" v="2633" actId="478"/>
-          <ac:spMkLst>
-            <pc:docMk/>
-            <pc:sldMk cId="1630210334" sldId="270"/>
-            <ac:spMk id="21" creationId="{4EA9364A-A9C8-3A9F-D429-DC8DA0A44366}"/>
-          </ac:spMkLst>
-        </pc:spChg>
-        <pc:spChg chg="del">
-          <ac:chgData name="友佳 杉浦" userId="16f6d6200656b49f" providerId="LiveId" clId="{E5229DCF-CF04-4550-9977-56ABCA2CF4ED}" dt="2025-07-29T15:46:43.323" v="2633" actId="478"/>
-          <ac:spMkLst>
-            <pc:docMk/>
-            <pc:sldMk cId="1630210334" sldId="270"/>
-            <ac:spMk id="24" creationId="{E6121A21-75C0-924A-92E7-197264CD3E0A}"/>
-          </ac:spMkLst>
-        </pc:spChg>
-        <pc:picChg chg="del">
-          <ac:chgData name="友佳 杉浦" userId="16f6d6200656b49f" providerId="LiveId" clId="{E5229DCF-CF04-4550-9977-56ABCA2CF4ED}" dt="2025-07-29T15:46:43.323" v="2633" actId="478"/>
-          <ac:picMkLst>
-            <pc:docMk/>
-            <pc:sldMk cId="1630210334" sldId="270"/>
-            <ac:picMk id="4098" creationId="{EDEBE063-FCFD-7456-2955-494881F41E2E}"/>
-          </ac:picMkLst>
-        </pc:picChg>
         <pc:cxnChg chg="mod">
           <ac:chgData name="友佳 杉浦" userId="16f6d6200656b49f" providerId="LiveId" clId="{E5229DCF-CF04-4550-9977-56ABCA2CF4ED}" dt="2025-07-29T15:46:53.224" v="2661" actId="1036"/>
           <ac:cxnSpMkLst>
@@ -457,22 +425,6 @@
             <ac:spMk id="3" creationId="{9FB451BD-F0C6-3461-81E3-2AE8F27E40FE}"/>
           </ac:spMkLst>
         </pc:spChg>
-        <pc:spChg chg="del">
-          <ac:chgData name="友佳 杉浦" userId="16f6d6200656b49f" providerId="LiveId" clId="{E5229DCF-CF04-4550-9977-56ABCA2CF4ED}" dt="2025-07-29T16:17:57.720" v="4816" actId="478"/>
-          <ac:spMkLst>
-            <pc:docMk/>
-            <pc:sldMk cId="3508381330" sldId="2147483471"/>
-            <ac:spMk id="5" creationId="{0336F3DB-5C5E-D7E8-7E05-5FBBAF4DE12C}"/>
-          </ac:spMkLst>
-        </pc:spChg>
-        <pc:spChg chg="del">
-          <ac:chgData name="友佳 杉浦" userId="16f6d6200656b49f" providerId="LiveId" clId="{E5229DCF-CF04-4550-9977-56ABCA2CF4ED}" dt="2025-07-29T16:17:55.758" v="4815" actId="478"/>
-          <ac:spMkLst>
-            <pc:docMk/>
-            <pc:sldMk cId="3508381330" sldId="2147483471"/>
-            <ac:spMk id="6" creationId="{6183D725-262B-1BF0-F5FE-7D2B00980D96}"/>
-          </ac:spMkLst>
-        </pc:spChg>
         <pc:graphicFrameChg chg="mod modGraphic">
           <ac:chgData name="友佳 杉浦" userId="16f6d6200656b49f" providerId="LiveId" clId="{E5229DCF-CF04-4550-9977-56ABCA2CF4ED}" dt="2025-07-29T16:20:36.908" v="5073" actId="113"/>
           <ac:graphicFrameMkLst>
@@ -586,22 +538,6 @@
             <ac:spMk id="3" creationId="{4FD70387-4872-93D4-15A3-11D33B66A763}"/>
           </ac:spMkLst>
         </pc:spChg>
-        <pc:spChg chg="del">
-          <ac:chgData name="友佳 杉浦" userId="16f6d6200656b49f" providerId="LiveId" clId="{E5229DCF-CF04-4550-9977-56ABCA2CF4ED}" dt="2025-07-29T15:43:26.987" v="2619" actId="478"/>
-          <ac:spMkLst>
-            <pc:docMk/>
-            <pc:sldMk cId="1781677644" sldId="2147483564"/>
-            <ac:spMk id="4" creationId="{E8DD28C8-551E-3623-1C79-0247B9E15E83}"/>
-          </ac:spMkLst>
-        </pc:spChg>
-        <pc:spChg chg="del">
-          <ac:chgData name="友佳 杉浦" userId="16f6d6200656b49f" providerId="LiveId" clId="{E5229DCF-CF04-4550-9977-56ABCA2CF4ED}" dt="2025-07-29T15:43:26.987" v="2619" actId="478"/>
-          <ac:spMkLst>
-            <pc:docMk/>
-            <pc:sldMk cId="1781677644" sldId="2147483564"/>
-            <ac:spMk id="6" creationId="{E58540E0-F64F-57C1-AD1B-4A1C822BC990}"/>
-          </ac:spMkLst>
-        </pc:spChg>
       </pc:sldChg>
       <pc:sldChg chg="modSp add modNotesTx">
         <pc:chgData name="友佳 杉浦" userId="16f6d6200656b49f" providerId="LiveId" clId="{E5229DCF-CF04-4550-9977-56ABCA2CF4ED}" dt="2025-07-29T19:52:47.597" v="17021"/>
@@ -700,68 +636,12 @@
             <ac:spMk id="5" creationId="{A5C06B47-E277-576C-B9C4-1CDA79C07E7A}"/>
           </ac:spMkLst>
         </pc:spChg>
-        <pc:spChg chg="add del mod">
-          <ac:chgData name="友佳 杉浦" userId="16f6d6200656b49f" providerId="LiveId" clId="{E5229DCF-CF04-4550-9977-56ABCA2CF4ED}" dt="2025-07-29T05:36:01.906" v="89" actId="478"/>
-          <ac:spMkLst>
-            <pc:docMk/>
-            <pc:sldMk cId="4094486610" sldId="2147483592"/>
-            <ac:spMk id="6" creationId="{1F198F36-33E1-F627-8AD1-8BD140389351}"/>
-          </ac:spMkLst>
-        </pc:spChg>
-        <pc:spChg chg="add del mod">
-          <ac:chgData name="友佳 杉浦" userId="16f6d6200656b49f" providerId="LiveId" clId="{E5229DCF-CF04-4550-9977-56ABCA2CF4ED}" dt="2025-07-29T05:36:01.906" v="89" actId="478"/>
-          <ac:spMkLst>
-            <pc:docMk/>
-            <pc:sldMk cId="4094486610" sldId="2147483592"/>
-            <ac:spMk id="7" creationId="{BE7ED781-4FD0-BBA0-3E96-A0A1AD9EFE1E}"/>
-          </ac:spMkLst>
-        </pc:spChg>
         <pc:spChg chg="add mod">
           <ac:chgData name="友佳 杉浦" userId="16f6d6200656b49f" providerId="LiveId" clId="{E5229DCF-CF04-4550-9977-56ABCA2CF4ED}" dt="2025-07-29T15:08:12.069" v="1417" actId="164"/>
           <ac:spMkLst>
             <pc:docMk/>
             <pc:sldMk cId="4094486610" sldId="2147483592"/>
             <ac:spMk id="11" creationId="{61F043B5-67AC-F157-7179-1DDDE3D7872E}"/>
-          </ac:spMkLst>
-        </pc:spChg>
-        <pc:spChg chg="add del mod">
-          <ac:chgData name="友佳 杉浦" userId="16f6d6200656b49f" providerId="LiveId" clId="{E5229DCF-CF04-4550-9977-56ABCA2CF4ED}" dt="2025-07-29T05:48:03.866" v="308" actId="478"/>
-          <ac:spMkLst>
-            <pc:docMk/>
-            <pc:sldMk cId="4094486610" sldId="2147483592"/>
-            <ac:spMk id="14" creationId="{840A3849-01E0-2F96-5D9A-FE9C7B3C4739}"/>
-          </ac:spMkLst>
-        </pc:spChg>
-        <pc:spChg chg="add del">
-          <ac:chgData name="友佳 杉浦" userId="16f6d6200656b49f" providerId="LiveId" clId="{E5229DCF-CF04-4550-9977-56ABCA2CF4ED}" dt="2025-07-29T06:00:41.068" v="472" actId="478"/>
-          <ac:spMkLst>
-            <pc:docMk/>
-            <pc:sldMk cId="4094486610" sldId="2147483592"/>
-            <ac:spMk id="16" creationId="{7AD45990-D2FD-D205-9EEB-CC04429A27FC}"/>
-          </ac:spMkLst>
-        </pc:spChg>
-        <pc:spChg chg="add del mod">
-          <ac:chgData name="友佳 杉浦" userId="16f6d6200656b49f" providerId="LiveId" clId="{E5229DCF-CF04-4550-9977-56ABCA2CF4ED}" dt="2025-07-29T06:00:35.672" v="471" actId="478"/>
-          <ac:spMkLst>
-            <pc:docMk/>
-            <pc:sldMk cId="4094486610" sldId="2147483592"/>
-            <ac:spMk id="18" creationId="{1A790581-478D-0BF7-30B3-BEE545BDA0F1}"/>
-          </ac:spMkLst>
-        </pc:spChg>
-        <pc:spChg chg="add del mod">
-          <ac:chgData name="友佳 杉浦" userId="16f6d6200656b49f" providerId="LiveId" clId="{E5229DCF-CF04-4550-9977-56ABCA2CF4ED}" dt="2025-07-29T05:48:48.330" v="316" actId="21"/>
-          <ac:spMkLst>
-            <pc:docMk/>
-            <pc:sldMk cId="4094486610" sldId="2147483592"/>
-            <ac:spMk id="20" creationId="{A9470BD1-6A25-0128-A165-93D495B5496D}"/>
-          </ac:spMkLst>
-        </pc:spChg>
-        <pc:spChg chg="add del">
-          <ac:chgData name="友佳 杉浦" userId="16f6d6200656b49f" providerId="LiveId" clId="{E5229DCF-CF04-4550-9977-56ABCA2CF4ED}" dt="2025-07-29T05:48:23.911" v="311" actId="21"/>
-          <ac:spMkLst>
-            <pc:docMk/>
-            <pc:sldMk cId="4094486610" sldId="2147483592"/>
-            <ac:spMk id="22" creationId="{126087EF-4ABF-A9D7-3B33-FB1266F4050B}"/>
           </ac:spMkLst>
         </pc:spChg>
         <pc:spChg chg="add mod">
@@ -778,22 +658,6 @@
             <pc:docMk/>
             <pc:sldMk cId="4094486610" sldId="2147483592"/>
             <ac:spMk id="32" creationId="{4F7C85C8-F0EA-C594-D0ED-4DE3A596C3C9}"/>
-          </ac:spMkLst>
-        </pc:spChg>
-        <pc:spChg chg="add del mod">
-          <ac:chgData name="友佳 杉浦" userId="16f6d6200656b49f" providerId="LiveId" clId="{E5229DCF-CF04-4550-9977-56ABCA2CF4ED}" dt="2025-07-29T15:10:06.860" v="1431" actId="478"/>
-          <ac:spMkLst>
-            <pc:docMk/>
-            <pc:sldMk cId="4094486610" sldId="2147483592"/>
-            <ac:spMk id="36" creationId="{7DEA46D0-CA11-F17C-7E4B-3022533DD3FE}"/>
-          </ac:spMkLst>
-        </pc:spChg>
-        <pc:spChg chg="add del mod">
-          <ac:chgData name="友佳 杉浦" userId="16f6d6200656b49f" providerId="LiveId" clId="{E5229DCF-CF04-4550-9977-56ABCA2CF4ED}" dt="2025-07-29T15:06:28.860" v="1400" actId="478"/>
-          <ac:spMkLst>
-            <pc:docMk/>
-            <pc:sldMk cId="4094486610" sldId="2147483592"/>
-            <ac:spMk id="37" creationId="{5F0EC3F8-0C50-9311-233F-A0B0F583CE45}"/>
           </ac:spMkLst>
         </pc:spChg>
         <pc:spChg chg="add mod">
@@ -860,36 +724,12 @@
             <ac:spMk id="67" creationId="{BF33D8E4-6420-7ADC-4FD3-37AD085DE478}"/>
           </ac:spMkLst>
         </pc:spChg>
-        <pc:spChg chg="add del mod">
-          <ac:chgData name="友佳 杉浦" userId="16f6d6200656b49f" providerId="LiveId" clId="{E5229DCF-CF04-4550-9977-56ABCA2CF4ED}" dt="2025-07-29T15:08:30.358" v="1421" actId="478"/>
-          <ac:spMkLst>
-            <pc:docMk/>
-            <pc:sldMk cId="4094486610" sldId="2147483592"/>
-            <ac:spMk id="69" creationId="{A3DFE005-B3BA-1ACA-81C8-564FE4C79E07}"/>
-          </ac:spMkLst>
-        </pc:spChg>
-        <pc:spChg chg="add del mod">
-          <ac:chgData name="友佳 杉浦" userId="16f6d6200656b49f" providerId="LiveId" clId="{E5229DCF-CF04-4550-9977-56ABCA2CF4ED}" dt="2025-07-29T15:12:51.556" v="1443" actId="478"/>
-          <ac:spMkLst>
-            <pc:docMk/>
-            <pc:sldMk cId="4094486610" sldId="2147483592"/>
-            <ac:spMk id="70" creationId="{928A907D-12DC-0CC6-15D2-45F4D3DD041B}"/>
-          </ac:spMkLst>
-        </pc:spChg>
         <pc:spChg chg="add mod">
           <ac:chgData name="友佳 杉浦" userId="16f6d6200656b49f" providerId="LiveId" clId="{E5229DCF-CF04-4550-9977-56ABCA2CF4ED}" dt="2025-07-29T15:24:23.683" v="1605" actId="1076"/>
           <ac:spMkLst>
             <pc:docMk/>
             <pc:sldMk cId="4094486610" sldId="2147483592"/>
             <ac:spMk id="71" creationId="{76188967-1DE9-36C8-9F52-F2B8C2DB795E}"/>
-          </ac:spMkLst>
-        </pc:spChg>
-        <pc:spChg chg="add del mod">
-          <ac:chgData name="友佳 杉浦" userId="16f6d6200656b49f" providerId="LiveId" clId="{E5229DCF-CF04-4550-9977-56ABCA2CF4ED}" dt="2025-07-29T15:12:18.269" v="1439" actId="478"/>
-          <ac:spMkLst>
-            <pc:docMk/>
-            <pc:sldMk cId="4094486610" sldId="2147483592"/>
-            <ac:spMk id="72" creationId="{D515612F-7214-CC09-91AB-98A2D86D15AF}"/>
           </ac:spMkLst>
         </pc:spChg>
         <pc:spChg chg="add mod">
@@ -1059,78 +899,6 @@
           <pc:docMk/>
           <pc:sldMk cId="1600921533" sldId="2147483593"/>
         </pc:sldMkLst>
-        <pc:spChg chg="add mod">
-          <ac:chgData name="友佳 杉浦" userId="16f6d6200656b49f" providerId="LiveId" clId="{E5229DCF-CF04-4550-9977-56ABCA2CF4ED}" dt="2025-07-29T05:59:53.681" v="458" actId="1076"/>
-          <ac:spMkLst>
-            <pc:docMk/>
-            <pc:sldMk cId="1600921533" sldId="2147483593"/>
-            <ac:spMk id="5" creationId="{DDB359A4-72E6-9E48-4380-725417F6996D}"/>
-          </ac:spMkLst>
-        </pc:spChg>
-        <pc:spChg chg="add del mod">
-          <ac:chgData name="友佳 杉浦" userId="16f6d6200656b49f" providerId="LiveId" clId="{E5229DCF-CF04-4550-9977-56ABCA2CF4ED}" dt="2025-07-29T05:52:55.892" v="355" actId="478"/>
-          <ac:spMkLst>
-            <pc:docMk/>
-            <pc:sldMk cId="1600921533" sldId="2147483593"/>
-            <ac:spMk id="6" creationId="{F8EAB739-BC8C-ECA9-33B1-8C873946AC17}"/>
-          </ac:spMkLst>
-        </pc:spChg>
-        <pc:spChg chg="add mod">
-          <ac:chgData name="友佳 杉浦" userId="16f6d6200656b49f" providerId="LiveId" clId="{E5229DCF-CF04-4550-9977-56ABCA2CF4ED}" dt="2025-07-29T05:59:44.851" v="457" actId="1076"/>
-          <ac:spMkLst>
-            <pc:docMk/>
-            <pc:sldMk cId="1600921533" sldId="2147483593"/>
-            <ac:spMk id="7" creationId="{B3DEA6F6-2C31-8037-5AAA-69E25028DC81}"/>
-          </ac:spMkLst>
-        </pc:spChg>
-        <pc:spChg chg="add del mod">
-          <ac:chgData name="友佳 杉浦" userId="16f6d6200656b49f" providerId="LiveId" clId="{E5229DCF-CF04-4550-9977-56ABCA2CF4ED}" dt="2025-07-29T05:59:13.414" v="454" actId="478"/>
-          <ac:spMkLst>
-            <pc:docMk/>
-            <pc:sldMk cId="1600921533" sldId="2147483593"/>
-            <ac:spMk id="8" creationId="{C1BA388E-1F65-A671-5F54-65F5CC4119FD}"/>
-          </ac:spMkLst>
-        </pc:spChg>
-        <pc:spChg chg="add mod">
-          <ac:chgData name="友佳 杉浦" userId="16f6d6200656b49f" providerId="LiveId" clId="{E5229DCF-CF04-4550-9977-56ABCA2CF4ED}" dt="2025-07-29T06:00:27.127" v="470" actId="1076"/>
-          <ac:spMkLst>
-            <pc:docMk/>
-            <pc:sldMk cId="1600921533" sldId="2147483593"/>
-            <ac:spMk id="10" creationId="{08EC4A95-C9C8-C9C3-28FA-8FEF769A11E2}"/>
-          </ac:spMkLst>
-        </pc:spChg>
-        <pc:spChg chg="add mod">
-          <ac:chgData name="友佳 杉浦" userId="16f6d6200656b49f" providerId="LiveId" clId="{E5229DCF-CF04-4550-9977-56ABCA2CF4ED}" dt="2025-07-29T06:00:27.127" v="470" actId="1076"/>
-          <ac:spMkLst>
-            <pc:docMk/>
-            <pc:sldMk cId="1600921533" sldId="2147483593"/>
-            <ac:spMk id="12" creationId="{CCADE8D7-3F53-781D-57BE-223B6BCCB372}"/>
-          </ac:spMkLst>
-        </pc:spChg>
-        <pc:spChg chg="add mod">
-          <ac:chgData name="友佳 杉浦" userId="16f6d6200656b49f" providerId="LiveId" clId="{E5229DCF-CF04-4550-9977-56ABCA2CF4ED}" dt="2025-07-29T06:00:08.900" v="468" actId="20577"/>
-          <ac:spMkLst>
-            <pc:docMk/>
-            <pc:sldMk cId="1600921533" sldId="2147483593"/>
-            <ac:spMk id="22" creationId="{126087EF-4ABF-A9D7-3B33-FB1266F4050B}"/>
-          </ac:spMkLst>
-        </pc:spChg>
-        <pc:picChg chg="add mod">
-          <ac:chgData name="友佳 杉浦" userId="16f6d6200656b49f" providerId="LiveId" clId="{E5229DCF-CF04-4550-9977-56ABCA2CF4ED}" dt="2025-07-29T05:59:38.627" v="456"/>
-          <ac:picMkLst>
-            <pc:docMk/>
-            <pc:sldMk cId="1600921533" sldId="2147483593"/>
-            <ac:picMk id="9" creationId="{189EEDDB-E5AC-78A9-E8AF-06248C788F18}"/>
-          </ac:picMkLst>
-        </pc:picChg>
-        <pc:picChg chg="add mod">
-          <ac:chgData name="友佳 杉浦" userId="16f6d6200656b49f" providerId="LiveId" clId="{E5229DCF-CF04-4550-9977-56ABCA2CF4ED}" dt="2025-07-29T06:00:27.127" v="470" actId="1076"/>
-          <ac:picMkLst>
-            <pc:docMk/>
-            <pc:sldMk cId="1600921533" sldId="2147483593"/>
-            <ac:picMk id="11" creationId="{8E956D29-F6F7-4D3A-5EB4-09EA1E79C651}"/>
-          </ac:picMkLst>
-        </pc:picChg>
       </pc:sldChg>
       <pc:sldChg chg="addSp modSp new del mod">
         <pc:chgData name="友佳 杉浦" userId="16f6d6200656b49f" providerId="LiveId" clId="{E5229DCF-CF04-4550-9977-56ABCA2CF4ED}" dt="2025-07-29T15:19:48.794" v="1570" actId="2696"/>
@@ -1138,22 +906,6 @@
           <pc:docMk/>
           <pc:sldMk cId="2357222789" sldId="2147483594"/>
         </pc:sldMkLst>
-        <pc:spChg chg="add mod">
-          <ac:chgData name="友佳 杉浦" userId="16f6d6200656b49f" providerId="LiveId" clId="{E5229DCF-CF04-4550-9977-56ABCA2CF4ED}" dt="2025-07-29T08:24:24.490" v="489" actId="14100"/>
-          <ac:spMkLst>
-            <pc:docMk/>
-            <pc:sldMk cId="2357222789" sldId="2147483594"/>
-            <ac:spMk id="6" creationId="{C336BF6F-6493-5351-5A15-E55F017994CF}"/>
-          </ac:spMkLst>
-        </pc:spChg>
-        <pc:spChg chg="add mod">
-          <ac:chgData name="友佳 杉浦" userId="16f6d6200656b49f" providerId="LiveId" clId="{E5229DCF-CF04-4550-9977-56ABCA2CF4ED}" dt="2025-07-29T08:24:19.786" v="488" actId="1076"/>
-          <ac:spMkLst>
-            <pc:docMk/>
-            <pc:sldMk cId="2357222789" sldId="2147483594"/>
-            <ac:spMk id="8" creationId="{ABD0F0E0-9507-334A-F9DB-3558B9B4BD5D}"/>
-          </ac:spMkLst>
-        </pc:spChg>
       </pc:sldChg>
       <pc:sldChg chg="addSp modSp new del mod">
         <pc:chgData name="友佳 杉浦" userId="16f6d6200656b49f" providerId="LiveId" clId="{E5229DCF-CF04-4550-9977-56ABCA2CF4ED}" dt="2025-07-29T15:42:14.820" v="2616" actId="2696"/>
@@ -1161,14 +913,6 @@
           <pc:docMk/>
           <pc:sldMk cId="140033673" sldId="2147483595"/>
         </pc:sldMkLst>
-        <pc:spChg chg="add mod">
-          <ac:chgData name="友佳 杉浦" userId="16f6d6200656b49f" providerId="LiveId" clId="{E5229DCF-CF04-4550-9977-56ABCA2CF4ED}" dt="2025-07-29T08:26:58.325" v="492" actId="1076"/>
-          <ac:spMkLst>
-            <pc:docMk/>
-            <pc:sldMk cId="140033673" sldId="2147483595"/>
-            <ac:spMk id="6" creationId="{5CC89A87-DB35-E8AF-FCC0-91D4B523A05D}"/>
-          </ac:spMkLst>
-        </pc:spChg>
       </pc:sldChg>
       <pc:sldChg chg="addSp delSp modSp new del mod">
         <pc:chgData name="友佳 杉浦" userId="16f6d6200656b49f" providerId="LiveId" clId="{E5229DCF-CF04-4550-9977-56ABCA2CF4ED}" dt="2025-07-29T15:42:17.630" v="2617" actId="2696"/>
@@ -1176,38 +920,6 @@
           <pc:docMk/>
           <pc:sldMk cId="2552319836" sldId="2147483596"/>
         </pc:sldMkLst>
-        <pc:spChg chg="add del mod">
-          <ac:chgData name="友佳 杉浦" userId="16f6d6200656b49f" providerId="LiveId" clId="{E5229DCF-CF04-4550-9977-56ABCA2CF4ED}" dt="2025-07-29T08:35:36.709" v="513" actId="478"/>
-          <ac:spMkLst>
-            <pc:docMk/>
-            <pc:sldMk cId="2552319836" sldId="2147483596"/>
-            <ac:spMk id="6" creationId="{73322530-4AAA-DFF6-7DB3-2445D16D9959}"/>
-          </ac:spMkLst>
-        </pc:spChg>
-        <pc:spChg chg="add del mod">
-          <ac:chgData name="友佳 杉浦" userId="16f6d6200656b49f" providerId="LiveId" clId="{E5229DCF-CF04-4550-9977-56ABCA2CF4ED}" dt="2025-07-29T15:17:26.027" v="1556" actId="21"/>
-          <ac:spMkLst>
-            <pc:docMk/>
-            <pc:sldMk cId="2552319836" sldId="2147483596"/>
-            <ac:spMk id="8" creationId="{AF317B33-6E7E-BA26-6044-F293BDB3E9F9}"/>
-          </ac:spMkLst>
-        </pc:spChg>
-        <pc:spChg chg="add mod">
-          <ac:chgData name="友佳 杉浦" userId="16f6d6200656b49f" providerId="LiveId" clId="{E5229DCF-CF04-4550-9977-56ABCA2CF4ED}" dt="2025-07-29T08:35:32.644" v="512" actId="14100"/>
-          <ac:spMkLst>
-            <pc:docMk/>
-            <pc:sldMk cId="2552319836" sldId="2147483596"/>
-            <ac:spMk id="10" creationId="{505ADB19-0F3B-3AC7-92A5-5300A300B468}"/>
-          </ac:spMkLst>
-        </pc:spChg>
-        <pc:spChg chg="add mod">
-          <ac:chgData name="友佳 杉浦" userId="16f6d6200656b49f" providerId="LiveId" clId="{E5229DCF-CF04-4550-9977-56ABCA2CF4ED}" dt="2025-07-29T08:38:49.498" v="516" actId="1076"/>
-          <ac:spMkLst>
-            <pc:docMk/>
-            <pc:sldMk cId="2552319836" sldId="2147483596"/>
-            <ac:spMk id="12" creationId="{AAACA088-FFEB-B0E6-A9D5-7E4E4B0FAD1D}"/>
-          </ac:spMkLst>
-        </pc:spChg>
       </pc:sldChg>
       <pc:sldChg chg="addSp delSp modSp new del mod">
         <pc:chgData name="友佳 杉浦" userId="16f6d6200656b49f" providerId="LiveId" clId="{E5229DCF-CF04-4550-9977-56ABCA2CF4ED}" dt="2025-07-29T15:42:11.516" v="2615" actId="2696"/>
@@ -1215,46 +927,6 @@
           <pc:docMk/>
           <pc:sldMk cId="2476502168" sldId="2147483597"/>
         </pc:sldMkLst>
-        <pc:spChg chg="add del">
-          <ac:chgData name="友佳 杉浦" userId="16f6d6200656b49f" providerId="LiveId" clId="{E5229DCF-CF04-4550-9977-56ABCA2CF4ED}" dt="2025-07-29T09:14:57.082" v="530" actId="478"/>
-          <ac:spMkLst>
-            <pc:docMk/>
-            <pc:sldMk cId="2476502168" sldId="2147483597"/>
-            <ac:spMk id="6" creationId="{B9E570EC-440C-49F5-B4E0-CF846B06296A}"/>
-          </ac:spMkLst>
-        </pc:spChg>
-        <pc:spChg chg="add del mod">
-          <ac:chgData name="友佳 杉浦" userId="16f6d6200656b49f" providerId="LiveId" clId="{E5229DCF-CF04-4550-9977-56ABCA2CF4ED}" dt="2025-07-29T09:16:25.337" v="563" actId="478"/>
-          <ac:spMkLst>
-            <pc:docMk/>
-            <pc:sldMk cId="2476502168" sldId="2147483597"/>
-            <ac:spMk id="8" creationId="{724FA93F-AFF1-47D6-B76E-75C0D2769457}"/>
-          </ac:spMkLst>
-        </pc:spChg>
-        <pc:spChg chg="add del mod">
-          <ac:chgData name="友佳 杉浦" userId="16f6d6200656b49f" providerId="LiveId" clId="{E5229DCF-CF04-4550-9977-56ABCA2CF4ED}" dt="2025-07-29T15:18:38.949" v="1562" actId="21"/>
-          <ac:spMkLst>
-            <pc:docMk/>
-            <pc:sldMk cId="2476502168" sldId="2147483597"/>
-            <ac:spMk id="10" creationId="{92701734-80C7-670E-D3B0-1A9DC677D818}"/>
-          </ac:spMkLst>
-        </pc:spChg>
-        <pc:spChg chg="add mod">
-          <ac:chgData name="友佳 杉浦" userId="16f6d6200656b49f" providerId="LiveId" clId="{E5229DCF-CF04-4550-9977-56ABCA2CF4ED}" dt="2025-07-29T09:22:21.243" v="633" actId="1076"/>
-          <ac:spMkLst>
-            <pc:docMk/>
-            <pc:sldMk cId="2476502168" sldId="2147483597"/>
-            <ac:spMk id="11" creationId="{81E19D1D-A407-A544-5576-D7378A8973F5}"/>
-          </ac:spMkLst>
-        </pc:spChg>
-        <pc:spChg chg="add mod">
-          <ac:chgData name="友佳 杉浦" userId="16f6d6200656b49f" providerId="LiveId" clId="{E5229DCF-CF04-4550-9977-56ABCA2CF4ED}" dt="2025-07-29T09:24:58.758" v="652" actId="403"/>
-          <ac:spMkLst>
-            <pc:docMk/>
-            <pc:sldMk cId="2476502168" sldId="2147483597"/>
-            <ac:spMk id="13" creationId="{BF3F111B-2A23-63F4-A615-C2D16B48AD0C}"/>
-          </ac:spMkLst>
-        </pc:spChg>
       </pc:sldChg>
       <pc:sldChg chg="addSp delSp modSp new del mod ord">
         <pc:chgData name="友佳 杉浦" userId="16f6d6200656b49f" providerId="LiveId" clId="{E5229DCF-CF04-4550-9977-56ABCA2CF4ED}" dt="2025-07-29T15:23:42.204" v="1599" actId="2696"/>
@@ -1262,38 +934,6 @@
           <pc:docMk/>
           <pc:sldMk cId="2957607948" sldId="2147483598"/>
         </pc:sldMkLst>
-        <pc:spChg chg="add del mod">
-          <ac:chgData name="友佳 杉浦" userId="16f6d6200656b49f" providerId="LiveId" clId="{E5229DCF-CF04-4550-9977-56ABCA2CF4ED}" dt="2025-07-29T09:21:35.545" v="596" actId="21"/>
-          <ac:spMkLst>
-            <pc:docMk/>
-            <pc:sldMk cId="2957607948" sldId="2147483598"/>
-            <ac:spMk id="6" creationId="{60F71C03-50B0-086C-DD7C-D5FC8A1612E9}"/>
-          </ac:spMkLst>
-        </pc:spChg>
-        <pc:spChg chg="add mod">
-          <ac:chgData name="友佳 杉浦" userId="16f6d6200656b49f" providerId="LiveId" clId="{E5229DCF-CF04-4550-9977-56ABCA2CF4ED}" dt="2025-07-29T15:18:54.326" v="1567" actId="6549"/>
-          <ac:spMkLst>
-            <pc:docMk/>
-            <pc:sldMk cId="2957607948" sldId="2147483598"/>
-            <ac:spMk id="7" creationId="{73B42C52-127F-F85B-6F1A-CD17196BB8A4}"/>
-          </ac:spMkLst>
-        </pc:spChg>
-        <pc:spChg chg="add del mod">
-          <ac:chgData name="友佳 杉浦" userId="16f6d6200656b49f" providerId="LiveId" clId="{E5229DCF-CF04-4550-9977-56ABCA2CF4ED}" dt="2025-07-29T15:21:15.084" v="1579" actId="478"/>
-          <ac:spMkLst>
-            <pc:docMk/>
-            <pc:sldMk cId="2957607948" sldId="2147483598"/>
-            <ac:spMk id="8" creationId="{AF317B33-6E7E-BA26-6044-F293BDB3E9F9}"/>
-          </ac:spMkLst>
-        </pc:spChg>
-        <pc:spChg chg="add mod">
-          <ac:chgData name="友佳 杉浦" userId="16f6d6200656b49f" providerId="LiveId" clId="{E5229DCF-CF04-4550-9977-56ABCA2CF4ED}" dt="2025-07-29T15:22:29.265" v="1587" actId="6549"/>
-          <ac:spMkLst>
-            <pc:docMk/>
-            <pc:sldMk cId="2957607948" sldId="2147483598"/>
-            <ac:spMk id="9" creationId="{B2074060-D1D8-3D05-6A46-B5E36FBAB884}"/>
-          </ac:spMkLst>
-        </pc:spChg>
       </pc:sldChg>
       <pc:sldChg chg="addSp modSp new mod ord modNotesTx">
         <pc:chgData name="友佳 杉浦" userId="16f6d6200656b49f" providerId="LiveId" clId="{E5229DCF-CF04-4550-9977-56ABCA2CF4ED}" dt="2025-07-29T20:31:44.600" v="17066"/>
@@ -1467,17 +1107,9 @@
           <pc:docMk/>
           <pc:sldMk cId="3228003373" sldId="2147483601"/>
         </pc:sldMkLst>
-        <pc:graphicFrameChg chg="add mod modGraphic">
-          <ac:chgData name="友佳 杉浦" userId="16f6d6200656b49f" providerId="LiveId" clId="{E5229DCF-CF04-4550-9977-56ABCA2CF4ED}" dt="2025-07-29T15:57:01.766" v="3312" actId="14734"/>
-          <ac:graphicFrameMkLst>
-            <pc:docMk/>
-            <pc:sldMk cId="3228003373" sldId="2147483601"/>
-            <ac:graphicFrameMk id="5" creationId="{B4280AB7-183D-F5F7-0A0E-A7F872CD41AE}"/>
-          </ac:graphicFrameMkLst>
-        </pc:graphicFrameChg>
       </pc:sldChg>
       <pc:sldChg chg="addSp delSp modSp add mod modNotesTx">
-        <pc:chgData name="友佳 杉浦" userId="16f6d6200656b49f" providerId="LiveId" clId="{E5229DCF-CF04-4550-9977-56ABCA2CF4ED}" dt="2025-07-29T18:51:26.840" v="17000" actId="20577"/>
+        <pc:chgData name="友佳 杉浦" userId="16f6d6200656b49f" providerId="LiveId" clId="{E5229DCF-CF04-4550-9977-56ABCA2CF4ED}" dt="2025-07-31T20:25:19.533" v="17166" actId="14100"/>
         <pc:sldMkLst>
           <pc:docMk/>
           <pc:sldMk cId="2406019671" sldId="2147483615"/>
@@ -1514,104 +1146,104 @@
             <ac:spMk id="18" creationId="{12FED86F-07A4-A795-C5FA-F177053743F4}"/>
           </ac:spMkLst>
         </pc:spChg>
-        <pc:picChg chg="add mod">
-          <ac:chgData name="友佳 杉浦" userId="16f6d6200656b49f" providerId="LiveId" clId="{E5229DCF-CF04-4550-9977-56ABCA2CF4ED}" dt="2025-07-29T18:45:53.117" v="16321" actId="1076"/>
+        <pc:picChg chg="add del mod">
+          <ac:chgData name="友佳 杉浦" userId="16f6d6200656b49f" providerId="LiveId" clId="{E5229DCF-CF04-4550-9977-56ABCA2CF4ED}" dt="2025-07-31T20:20:23.402" v="17092" actId="478"/>
           <ac:picMkLst>
             <pc:docMk/>
             <pc:sldMk cId="2406019671" sldId="2147483615"/>
             <ac:picMk id="3" creationId="{66F9D9D6-8508-1456-1E2F-BDEFD104FF28}"/>
           </ac:picMkLst>
         </pc:picChg>
-        <pc:picChg chg="add mod">
-          <ac:chgData name="友佳 杉浦" userId="16f6d6200656b49f" providerId="LiveId" clId="{E5229DCF-CF04-4550-9977-56ABCA2CF4ED}" dt="2025-07-29T18:45:36.741" v="16318" actId="1038"/>
+        <pc:picChg chg="add del mod">
+          <ac:chgData name="友佳 杉浦" userId="16f6d6200656b49f" providerId="LiveId" clId="{E5229DCF-CF04-4550-9977-56ABCA2CF4ED}" dt="2025-07-31T20:21:04.015" v="17099" actId="478"/>
           <ac:picMkLst>
             <pc:docMk/>
             <pc:sldMk cId="2406019671" sldId="2147483615"/>
             <ac:picMk id="4" creationId="{D404C3D4-EB8B-BC06-4C56-3192E20CC64A}"/>
           </ac:picMkLst>
         </pc:picChg>
-        <pc:picChg chg="del">
-          <ac:chgData name="友佳 杉浦" userId="16f6d6200656b49f" providerId="LiveId" clId="{E5229DCF-CF04-4550-9977-56ABCA2CF4ED}" dt="2025-07-29T18:42:13.885" v="16217" actId="478"/>
+        <pc:picChg chg="add mod">
+          <ac:chgData name="友佳 杉浦" userId="16f6d6200656b49f" providerId="LiveId" clId="{E5229DCF-CF04-4550-9977-56ABCA2CF4ED}" dt="2025-07-31T20:20:27.130" v="17093" actId="1076"/>
           <ac:picMkLst>
             <pc:docMk/>
             <pc:sldMk cId="2406019671" sldId="2147483615"/>
-            <ac:picMk id="5" creationId="{8B1C4884-5BC4-5455-D88F-1F66563B2235}"/>
+            <ac:picMk id="5" creationId="{4CA617B6-CEA6-1E04-70F6-4825260A0DE1}"/>
           </ac:picMkLst>
         </pc:picChg>
-        <pc:picChg chg="add mod">
-          <ac:chgData name="友佳 杉浦" userId="16f6d6200656b49f" providerId="LiveId" clId="{E5229DCF-CF04-4550-9977-56ABCA2CF4ED}" dt="2025-07-29T18:45:36.741" v="16318" actId="1038"/>
+        <pc:picChg chg="add del mod">
+          <ac:chgData name="友佳 杉浦" userId="16f6d6200656b49f" providerId="LiveId" clId="{E5229DCF-CF04-4550-9977-56ABCA2CF4ED}" dt="2025-07-31T20:22:12.732" v="17122" actId="478"/>
           <ac:picMkLst>
             <pc:docMk/>
             <pc:sldMk cId="2406019671" sldId="2147483615"/>
             <ac:picMk id="7" creationId="{61E8789F-3397-029B-5FF6-587D66DAA9B5}"/>
           </ac:picMkLst>
         </pc:picChg>
-        <pc:picChg chg="del">
-          <ac:chgData name="友佳 杉浦" userId="16f6d6200656b49f" providerId="LiveId" clId="{E5229DCF-CF04-4550-9977-56ABCA2CF4ED}" dt="2025-07-29T18:42:36.728" v="16224" actId="478"/>
+        <pc:picChg chg="add mod">
+          <ac:chgData name="友佳 杉浦" userId="16f6d6200656b49f" providerId="LiveId" clId="{E5229DCF-CF04-4550-9977-56ABCA2CF4ED}" dt="2025-07-31T20:21:17.033" v="17101" actId="1076"/>
           <ac:picMkLst>
             <pc:docMk/>
             <pc:sldMk cId="2406019671" sldId="2147483615"/>
-            <ac:picMk id="8" creationId="{64D7B801-BE0C-08D6-0726-BEE4B0C08AEE}"/>
+            <ac:picMk id="8" creationId="{6274849D-8AE7-F1D5-4978-3E6C20084786}"/>
           </ac:picMkLst>
         </pc:picChg>
-        <pc:picChg chg="add mod">
-          <ac:chgData name="友佳 杉浦" userId="16f6d6200656b49f" providerId="LiveId" clId="{E5229DCF-CF04-4550-9977-56ABCA2CF4ED}" dt="2025-07-29T18:44:40.399" v="16286" actId="1038"/>
+        <pc:picChg chg="add del mod">
+          <ac:chgData name="友佳 杉浦" userId="16f6d6200656b49f" providerId="LiveId" clId="{E5229DCF-CF04-4550-9977-56ABCA2CF4ED}" dt="2025-07-31T20:22:44.216" v="17129" actId="478"/>
           <ac:picMkLst>
             <pc:docMk/>
             <pc:sldMk cId="2406019671" sldId="2147483615"/>
             <ac:picMk id="9" creationId="{FB5CCD93-2AB5-75BE-FB8F-E67EF3D8B20A}"/>
           </ac:picMkLst>
         </pc:picChg>
-        <pc:picChg chg="del">
-          <ac:chgData name="友佳 杉浦" userId="16f6d6200656b49f" providerId="LiveId" clId="{E5229DCF-CF04-4550-9977-56ABCA2CF4ED}" dt="2025-07-29T18:43:05.077" v="16230" actId="478"/>
-          <ac:picMkLst>
-            <pc:docMk/>
-            <pc:sldMk cId="2406019671" sldId="2147483615"/>
-            <ac:picMk id="11" creationId="{E33449A1-0D8D-3316-E583-4F83753C4606}"/>
-          </ac:picMkLst>
-        </pc:picChg>
-        <pc:picChg chg="del">
-          <ac:chgData name="友佳 杉浦" userId="16f6d6200656b49f" providerId="LiveId" clId="{E5229DCF-CF04-4550-9977-56ABCA2CF4ED}" dt="2025-07-29T18:42:39.705" v="16225" actId="478"/>
-          <ac:picMkLst>
-            <pc:docMk/>
-            <pc:sldMk cId="2406019671" sldId="2147483615"/>
-            <ac:picMk id="12" creationId="{280D97AD-C2F2-643E-9DD9-EC7B3066B09D}"/>
-          </ac:picMkLst>
-        </pc:picChg>
-        <pc:picChg chg="add mod">
-          <ac:chgData name="友佳 杉浦" userId="16f6d6200656b49f" providerId="LiveId" clId="{E5229DCF-CF04-4550-9977-56ABCA2CF4ED}" dt="2025-07-29T18:44:40.399" v="16286" actId="1038"/>
+        <pc:picChg chg="add del mod">
+          <ac:chgData name="友佳 杉浦" userId="16f6d6200656b49f" providerId="LiveId" clId="{E5229DCF-CF04-4550-9977-56ABCA2CF4ED}" dt="2025-07-31T20:23:26.553" v="17139" actId="478"/>
           <ac:picMkLst>
             <pc:docMk/>
             <pc:sldMk cId="2406019671" sldId="2147483615"/>
             <ac:picMk id="13" creationId="{B665F892-B0A6-64D4-AB7A-08D5F364CB58}"/>
           </ac:picMkLst>
         </pc:picChg>
-        <pc:picChg chg="del">
-          <ac:chgData name="友佳 杉浦" userId="16f6d6200656b49f" providerId="LiveId" clId="{E5229DCF-CF04-4550-9977-56ABCA2CF4ED}" dt="2025-07-29T18:38:26.151" v="16189" actId="478"/>
+        <pc:picChg chg="add mod">
+          <ac:chgData name="友佳 杉浦" userId="16f6d6200656b49f" providerId="LiveId" clId="{E5229DCF-CF04-4550-9977-56ABCA2CF4ED}" dt="2025-07-31T20:22:16.771" v="17123" actId="1076"/>
           <ac:picMkLst>
             <pc:docMk/>
             <pc:sldMk cId="2406019671" sldId="2147483615"/>
-            <ac:picMk id="15" creationId="{A4800BFE-76E8-5B7F-09EE-EFF00BF63F85}"/>
+            <ac:picMk id="15" creationId="{9E69ED37-D59E-9BA9-F3D7-DCFCF96802F2}"/>
           </ac:picMkLst>
         </pc:picChg>
-        <pc:picChg chg="del">
-          <ac:chgData name="友佳 杉浦" userId="16f6d6200656b49f" providerId="LiveId" clId="{E5229DCF-CF04-4550-9977-56ABCA2CF4ED}" dt="2025-07-29T18:44:01.133" v="16241" actId="478"/>
+        <pc:picChg chg="add mod">
+          <ac:chgData name="友佳 杉浦" userId="16f6d6200656b49f" providerId="LiveId" clId="{E5229DCF-CF04-4550-9977-56ABCA2CF4ED}" dt="2025-07-31T20:25:19.533" v="17166" actId="14100"/>
           <ac:picMkLst>
             <pc:docMk/>
             <pc:sldMk cId="2406019671" sldId="2147483615"/>
-            <ac:picMk id="16" creationId="{52229855-A44C-6699-6E80-5C0234D07D49}"/>
+            <ac:picMk id="16" creationId="{B255F485-6080-E322-2F0E-B6883A5AB2C6}"/>
           </ac:picMkLst>
         </pc:picChg>
-        <pc:picChg chg="add mod">
-          <ac:chgData name="友佳 杉浦" userId="16f6d6200656b49f" providerId="LiveId" clId="{E5229DCF-CF04-4550-9977-56ABCA2CF4ED}" dt="2025-07-29T18:44:05.173" v="16242" actId="1076"/>
+        <pc:picChg chg="add del mod">
+          <ac:chgData name="友佳 杉浦" userId="16f6d6200656b49f" providerId="LiveId" clId="{E5229DCF-CF04-4550-9977-56ABCA2CF4ED}" dt="2025-07-31T20:24:37.069" v="17153" actId="478"/>
           <ac:picMkLst>
             <pc:docMk/>
             <pc:sldMk cId="2406019671" sldId="2147483615"/>
             <ac:picMk id="19" creationId="{5E1C25AE-2897-C38C-1DFD-E7E0340BD3EA}"/>
           </ac:picMkLst>
         </pc:picChg>
+        <pc:picChg chg="add mod">
+          <ac:chgData name="友佳 杉浦" userId="16f6d6200656b49f" providerId="LiveId" clId="{E5229DCF-CF04-4550-9977-56ABCA2CF4ED}" dt="2025-07-31T20:25:08.395" v="17165" actId="1038"/>
+          <ac:picMkLst>
+            <pc:docMk/>
+            <pc:sldMk cId="2406019671" sldId="2147483615"/>
+            <ac:picMk id="25" creationId="{695236FA-0B31-C3BD-FF3D-981724835097}"/>
+          </ac:picMkLst>
+        </pc:picChg>
+        <pc:picChg chg="add mod">
+          <ac:chgData name="友佳 杉浦" userId="16f6d6200656b49f" providerId="LiveId" clId="{E5229DCF-CF04-4550-9977-56ABCA2CF4ED}" dt="2025-07-31T20:24:41.080" v="17154" actId="1076"/>
+          <ac:picMkLst>
+            <pc:docMk/>
+            <pc:sldMk cId="2406019671" sldId="2147483615"/>
+            <ac:picMk id="29" creationId="{E7FE3EED-127F-023B-597E-C960C6B42254}"/>
+          </ac:picMkLst>
+        </pc:picChg>
         <pc:cxnChg chg="mod">
-          <ac:chgData name="友佳 杉浦" userId="16f6d6200656b49f" providerId="LiveId" clId="{E5229DCF-CF04-4550-9977-56ABCA2CF4ED}" dt="2025-07-29T18:45:36.741" v="16318" actId="1038"/>
+          <ac:chgData name="友佳 杉浦" userId="16f6d6200656b49f" providerId="LiveId" clId="{E5229DCF-CF04-4550-9977-56ABCA2CF4ED}" dt="2025-07-31T20:25:19.533" v="17166" actId="14100"/>
           <ac:cxnSpMkLst>
             <pc:docMk/>
             <pc:sldMk cId="2406019671" sldId="2147483615"/>
@@ -1619,7 +1251,7 @@
           </ac:cxnSpMkLst>
         </pc:cxnChg>
         <pc:cxnChg chg="mod">
-          <ac:chgData name="友佳 杉浦" userId="16f6d6200656b49f" providerId="LiveId" clId="{E5229DCF-CF04-4550-9977-56ABCA2CF4ED}" dt="2025-07-29T18:45:36.741" v="16318" actId="1038"/>
+          <ac:chgData name="友佳 杉浦" userId="16f6d6200656b49f" providerId="LiveId" clId="{E5229DCF-CF04-4550-9977-56ABCA2CF4ED}" dt="2025-07-31T20:25:08.395" v="17165" actId="1038"/>
           <ac:cxnSpMkLst>
             <pc:docMk/>
             <pc:sldMk cId="2406019671" sldId="2147483615"/>
@@ -1627,7 +1259,7 @@
           </ac:cxnSpMkLst>
         </pc:cxnChg>
         <pc:cxnChg chg="mod">
-          <ac:chgData name="友佳 杉浦" userId="16f6d6200656b49f" providerId="LiveId" clId="{E5229DCF-CF04-4550-9977-56ABCA2CF4ED}" dt="2025-07-29T18:44:40.399" v="16286" actId="1038"/>
+          <ac:chgData name="友佳 杉浦" userId="16f6d6200656b49f" providerId="LiveId" clId="{E5229DCF-CF04-4550-9977-56ABCA2CF4ED}" dt="2025-07-31T20:25:19.533" v="17166" actId="14100"/>
           <ac:cxnSpMkLst>
             <pc:docMk/>
             <pc:sldMk cId="2406019671" sldId="2147483615"/>
@@ -1635,7 +1267,7 @@
           </ac:cxnSpMkLst>
         </pc:cxnChg>
         <pc:cxnChg chg="mod">
-          <ac:chgData name="友佳 杉浦" userId="16f6d6200656b49f" providerId="LiveId" clId="{E5229DCF-CF04-4550-9977-56ABCA2CF4ED}" dt="2025-07-29T18:44:40.399" v="16286" actId="1038"/>
+          <ac:chgData name="友佳 杉浦" userId="16f6d6200656b49f" providerId="LiveId" clId="{E5229DCF-CF04-4550-9977-56ABCA2CF4ED}" dt="2025-07-31T20:25:08.395" v="17165" actId="1038"/>
           <ac:cxnSpMkLst>
             <pc:docMk/>
             <pc:sldMk cId="2406019671" sldId="2147483615"/>
@@ -1737,7 +1369,7 @@
           <a:p>
             <a:fld id="{96B16301-A087-4B28-BFF6-A787BEE6B1EE}" type="datetimeFigureOut">
               <a:rPr kumimoji="1" lang="ja-JP" altLang="en-US" smtClean="0"/>
-              <a:t>2025/7/30</a:t>
+              <a:t>2025/8/1</a:t>
             </a:fld>
             <a:endParaRPr kumimoji="1" lang="ja-JP" altLang="en-US"/>
           </a:p>
@@ -17171,15 +16803,15 @@
           </p:cNvPr>
           <p:cNvCxnSpPr>
             <a:cxnSpLocks/>
-            <a:stCxn id="4" idx="3"/>
-            <a:endCxn id="9" idx="1"/>
+            <a:stCxn id="8" idx="3"/>
+            <a:endCxn id="16" idx="1"/>
           </p:cNvCxnSpPr>
           <p:nvPr/>
         </p:nvCxnSpPr>
         <p:spPr>
           <a:xfrm flipV="1">
-            <a:off x="4222258" y="2150999"/>
-            <a:ext cx="656618" cy="1246707"/>
+            <a:off x="4190726" y="2235355"/>
+            <a:ext cx="599796" cy="1151593"/>
           </a:xfrm>
           <a:prstGeom prst="bentConnector3">
             <a:avLst>
@@ -17220,15 +16852,15 @@
           </p:cNvPr>
           <p:cNvCxnSpPr>
             <a:cxnSpLocks/>
-            <a:stCxn id="4" idx="3"/>
-            <a:endCxn id="13" idx="1"/>
+            <a:stCxn id="8" idx="3"/>
+            <a:endCxn id="25" idx="1"/>
           </p:cNvCxnSpPr>
           <p:nvPr/>
         </p:nvCxnSpPr>
         <p:spPr>
           <a:xfrm>
-            <a:off x="4222258" y="3397706"/>
-            <a:ext cx="576625" cy="1324685"/>
+            <a:off x="4190726" y="3386948"/>
+            <a:ext cx="592500" cy="1391454"/>
           </a:xfrm>
           <a:prstGeom prst="bentConnector3">
             <a:avLst>
@@ -17269,15 +16901,15 @@
           </p:cNvPr>
           <p:cNvCxnSpPr>
             <a:cxnSpLocks/>
-            <a:stCxn id="9" idx="3"/>
-            <a:endCxn id="19" idx="1"/>
+            <a:stCxn id="16" idx="3"/>
+            <a:endCxn id="29" idx="1"/>
           </p:cNvCxnSpPr>
           <p:nvPr/>
         </p:nvCxnSpPr>
         <p:spPr>
           <a:xfrm>
-            <a:off x="8152430" y="2150999"/>
-            <a:ext cx="512206" cy="1286234"/>
+            <a:off x="8110663" y="2235355"/>
+            <a:ext cx="564792" cy="1151592"/>
           </a:xfrm>
           <a:prstGeom prst="bentConnector3">
             <a:avLst>
@@ -17318,15 +16950,15 @@
           </p:cNvPr>
           <p:cNvCxnSpPr>
             <a:cxnSpLocks/>
-            <a:stCxn id="13" idx="3"/>
-            <a:endCxn id="19" idx="1"/>
+            <a:stCxn id="25" idx="3"/>
+            <a:endCxn id="29" idx="1"/>
           </p:cNvCxnSpPr>
           <p:nvPr/>
         </p:nvCxnSpPr>
         <p:spPr>
           <a:xfrm flipV="1">
-            <a:off x="8127153" y="3437233"/>
-            <a:ext cx="537483" cy="1285158"/>
+            <a:off x="8120205" y="3386947"/>
+            <a:ext cx="555250" cy="1391455"/>
           </a:xfrm>
           <a:prstGeom prst="bentConnector3">
             <a:avLst>
@@ -17358,10 +16990,10 @@
       </p:cxnSp>
       <p:pic>
         <p:nvPicPr>
-          <p:cNvPr id="3" name="図 2">
+          <p:cNvPr id="5" name="図 4">
             <a:extLst>
               <a:ext uri="{FF2B5EF4-FFF2-40B4-BE49-F238E27FC236}">
-                <a16:creationId xmlns:a16="http://schemas.microsoft.com/office/drawing/2014/main" id="{66F9D9D6-8508-1456-1E2F-BDEFD104FF28}"/>
+                <a16:creationId xmlns:a16="http://schemas.microsoft.com/office/drawing/2014/main" id="{4CA617B6-CEA6-1E04-70F6-4825260A0DE1}"/>
               </a:ext>
             </a:extLst>
           </p:cNvPr>
@@ -17378,8 +17010,8 @@
         </p:blipFill>
         <p:spPr>
           <a:xfrm>
-            <a:off x="441905" y="1593864"/>
-            <a:ext cx="3262462" cy="1835135"/>
+            <a:off x="417235" y="1545574"/>
+            <a:ext cx="3273555" cy="1841374"/>
           </a:xfrm>
           <a:prstGeom prst="rect">
             <a:avLst/>
@@ -17395,10 +17027,10 @@
       </p:pic>
       <p:pic>
         <p:nvPicPr>
-          <p:cNvPr id="4" name="図 3">
+          <p:cNvPr id="8" name="図 7">
             <a:extLst>
               <a:ext uri="{FF2B5EF4-FFF2-40B4-BE49-F238E27FC236}">
-                <a16:creationId xmlns:a16="http://schemas.microsoft.com/office/drawing/2014/main" id="{D404C3D4-EB8B-BC06-4C56-3192E20CC64A}"/>
+                <a16:creationId xmlns:a16="http://schemas.microsoft.com/office/drawing/2014/main" id="{6274849D-8AE7-F1D5-4978-3E6C20084786}"/>
               </a:ext>
             </a:extLst>
           </p:cNvPr>
@@ -17415,8 +17047,8 @@
         </p:blipFill>
         <p:spPr>
           <a:xfrm>
-            <a:off x="910455" y="2466261"/>
-            <a:ext cx="3311803" cy="1862889"/>
+            <a:off x="868711" y="2452631"/>
+            <a:ext cx="3322015" cy="1868633"/>
           </a:xfrm>
           <a:prstGeom prst="rect">
             <a:avLst/>
@@ -17432,10 +17064,10 @@
       </p:pic>
       <p:pic>
         <p:nvPicPr>
-          <p:cNvPr id="7" name="図 6">
+          <p:cNvPr id="15" name="図 14">
             <a:extLst>
               <a:ext uri="{FF2B5EF4-FFF2-40B4-BE49-F238E27FC236}">
-                <a16:creationId xmlns:a16="http://schemas.microsoft.com/office/drawing/2014/main" id="{61E8789F-3397-029B-5FF6-587D66DAA9B5}"/>
+                <a16:creationId xmlns:a16="http://schemas.microsoft.com/office/drawing/2014/main" id="{9E69ED37-D59E-9BA9-F3D7-DCFCF96802F2}"/>
               </a:ext>
             </a:extLst>
           </p:cNvPr>
@@ -17452,8 +17084,8 @@
         </p:blipFill>
         <p:spPr>
           <a:xfrm>
-            <a:off x="417235" y="4127597"/>
-            <a:ext cx="3311803" cy="1862889"/>
+            <a:off x="390369" y="4218233"/>
+            <a:ext cx="3327286" cy="1871598"/>
           </a:xfrm>
           <a:prstGeom prst="rect">
             <a:avLst/>
@@ -17469,10 +17101,10 @@
       </p:pic>
       <p:pic>
         <p:nvPicPr>
-          <p:cNvPr id="9" name="図 8">
+          <p:cNvPr id="16" name="図 15">
             <a:extLst>
               <a:ext uri="{FF2B5EF4-FFF2-40B4-BE49-F238E27FC236}">
-                <a16:creationId xmlns:a16="http://schemas.microsoft.com/office/drawing/2014/main" id="{FB5CCD93-2AB5-75BE-FB8F-E67EF3D8B20A}"/>
+                <a16:creationId xmlns:a16="http://schemas.microsoft.com/office/drawing/2014/main" id="{B255F485-6080-E322-2F0E-B6883A5AB2C6}"/>
               </a:ext>
             </a:extLst>
           </p:cNvPr>
@@ -17489,8 +17121,8 @@
         </p:blipFill>
         <p:spPr>
           <a:xfrm>
-            <a:off x="4878876" y="1230312"/>
-            <a:ext cx="3273554" cy="1841374"/>
+            <a:off x="4790522" y="1301565"/>
+            <a:ext cx="3320141" cy="1867579"/>
           </a:xfrm>
           <a:prstGeom prst="rect">
             <a:avLst/>
@@ -17506,10 +17138,10 @@
       </p:pic>
       <p:pic>
         <p:nvPicPr>
-          <p:cNvPr id="13" name="図 12">
+          <p:cNvPr id="25" name="図 24">
             <a:extLst>
               <a:ext uri="{FF2B5EF4-FFF2-40B4-BE49-F238E27FC236}">
-                <a16:creationId xmlns:a16="http://schemas.microsoft.com/office/drawing/2014/main" id="{B665F892-B0A6-64D4-AB7A-08D5F364CB58}"/>
+                <a16:creationId xmlns:a16="http://schemas.microsoft.com/office/drawing/2014/main" id="{695236FA-0B31-C3BD-FF3D-981724835097}"/>
               </a:ext>
             </a:extLst>
           </p:cNvPr>
@@ -17526,8 +17158,8 @@
         </p:blipFill>
         <p:spPr>
           <a:xfrm>
-            <a:off x="4798883" y="3786315"/>
-            <a:ext cx="3328270" cy="1872152"/>
+            <a:off x="4783226" y="3839876"/>
+            <a:ext cx="3336979" cy="1877051"/>
           </a:xfrm>
           <a:prstGeom prst="rect">
             <a:avLst/>
@@ -17543,10 +17175,10 @@
       </p:pic>
       <p:pic>
         <p:nvPicPr>
-          <p:cNvPr id="19" name="図 18">
+          <p:cNvPr id="29" name="図 28">
             <a:extLst>
               <a:ext uri="{FF2B5EF4-FFF2-40B4-BE49-F238E27FC236}">
-                <a16:creationId xmlns:a16="http://schemas.microsoft.com/office/drawing/2014/main" id="{5E1C25AE-2897-C38C-1DFD-E7E0340BD3EA}"/>
+                <a16:creationId xmlns:a16="http://schemas.microsoft.com/office/drawing/2014/main" id="{E7FE3EED-127F-023B-597E-C960C6B42254}"/>
               </a:ext>
             </a:extLst>
           </p:cNvPr>
@@ -17563,8 +17195,8 @@
         </p:blipFill>
         <p:spPr>
           <a:xfrm>
-            <a:off x="8664636" y="2511432"/>
-            <a:ext cx="3291737" cy="1851602"/>
+            <a:off x="8675455" y="2435227"/>
+            <a:ext cx="3383892" cy="1903439"/>
           </a:xfrm>
           <a:prstGeom prst="rect">
             <a:avLst/>
